--- a/PHP/PPT/5 - Formation PHP -introduction à l'objet.pptx
+++ b/PHP/PPT/5 - Formation PHP -introduction à l'objet.pptx
@@ -219,7 +219,7 @@
           <a:p>
             <a:fld id="{7E0382DC-03BB-4DA5-8FDD-921109285244}" type="datetimeFigureOut">
               <a:rPr lang="fr-FR" smtClean="0"/>
-              <a:t>09/12/2015</a:t>
+              <a:t>15/12/2016</a:t>
             </a:fld>
             <a:endParaRPr lang="fr-FR"/>
           </a:p>
@@ -285,7 +285,7 @@
           <a:p>
             <a:fld id="{1F72861D-83A5-4B09-9317-6C9EE4A8F674}" type="slidenum">
               <a:rPr lang="fr-FR" smtClean="0"/>
-              <a:t>‹N°›</a:t>
+              <a:t>‹#›</a:t>
             </a:fld>
             <a:endParaRPr lang="fr-FR"/>
           </a:p>
@@ -385,7 +385,7 @@
           <a:p>
             <a:fld id="{389D4A9C-97F0-421E-BA4F-D67C6EA9E76C}" type="datetimeFigureOut">
               <a:rPr lang="fr-FR" smtClean="0"/>
-              <a:t>09/12/2015</a:t>
+              <a:t>15/12/2016</a:t>
             </a:fld>
             <a:endParaRPr lang="fr-FR"/>
           </a:p>
@@ -544,7 +544,7 @@
           <a:p>
             <a:fld id="{B8C2C029-268C-41B7-93F7-272C3F336A6D}" type="slidenum">
               <a:rPr lang="fr-FR" smtClean="0"/>
-              <a:t>‹N°›</a:t>
+              <a:t>‹#›</a:t>
             </a:fld>
             <a:endParaRPr lang="fr-FR"/>
           </a:p>
@@ -837,7 +837,7 @@
           <a:p>
             <a:fld id="{D028C1AA-BF05-477F-A770-8B89FAEAA0EB}" type="datetime1">
               <a:rPr lang="en-US" smtClean="0"/>
-              <a:t>12/9/2015</a:t>
+              <a:t>12/15/16</a:t>
             </a:fld>
             <a:endParaRPr lang="en-US" dirty="0"/>
           </a:p>
@@ -879,7 +879,7 @@
           <a:p>
             <a:fld id="{D57F1E4F-1CFF-5643-939E-02111984F565}" type="slidenum">
               <a:rPr lang="en-US" dirty="0"/>
-              <a:t>‹N°›</a:t>
+              <a:t>‹#›</a:t>
             </a:fld>
             <a:endParaRPr lang="en-US" dirty="0"/>
           </a:p>
@@ -1107,7 +1107,7 @@
           <a:p>
             <a:fld id="{ACB945BD-B832-438F-9794-86FAF9DC2027}" type="datetime1">
               <a:rPr lang="en-US" smtClean="0"/>
-              <a:t>12/9/2015</a:t>
+              <a:t>12/15/16</a:t>
             </a:fld>
             <a:endParaRPr lang="en-US" dirty="0"/>
           </a:p>
@@ -1149,7 +1149,7 @@
           <a:p>
             <a:fld id="{D57F1E4F-1CFF-5643-939E-02111984F565}" type="slidenum">
               <a:rPr lang="en-US" dirty="0"/>
-              <a:t>‹N°›</a:t>
+              <a:t>‹#›</a:t>
             </a:fld>
             <a:endParaRPr lang="en-US" dirty="0"/>
           </a:p>
@@ -1296,7 +1296,7 @@
           <a:p>
             <a:fld id="{1274AFCD-D2AD-4C91-98A9-FDB209680D66}" type="datetime1">
               <a:rPr lang="en-US" smtClean="0"/>
-              <a:t>12/9/2015</a:t>
+              <a:t>12/15/16</a:t>
             </a:fld>
             <a:endParaRPr lang="en-US" dirty="0"/>
           </a:p>
@@ -1338,7 +1338,7 @@
           <a:p>
             <a:fld id="{D57F1E4F-1CFF-5643-939E-02111984F565}" type="slidenum">
               <a:rPr lang="en-US" dirty="0"/>
-              <a:t>‹N°›</a:t>
+              <a:t>‹#›</a:t>
             </a:fld>
             <a:endParaRPr lang="en-US" dirty="0"/>
           </a:p>
@@ -1559,7 +1559,7 @@
           <a:p>
             <a:fld id="{7381FAA0-3FF9-44B3-94D9-03C8A2166C7C}" type="datetime1">
               <a:rPr lang="en-US" smtClean="0"/>
-              <a:t>12/9/2015</a:t>
+              <a:t>12/15/16</a:t>
             </a:fld>
             <a:endParaRPr lang="en-US" dirty="0"/>
           </a:p>
@@ -1601,7 +1601,7 @@
           <a:p>
             <a:fld id="{D57F1E4F-1CFF-5643-939E-02111984F565}" type="slidenum">
               <a:rPr lang="en-US" dirty="0"/>
-              <a:t>‹N°›</a:t>
+              <a:t>‹#›</a:t>
             </a:fld>
             <a:endParaRPr lang="en-US" dirty="0"/>
           </a:p>
@@ -1886,7 +1886,7 @@
           <a:p>
             <a:fld id="{F769EEA7-6558-41EF-B7C6-A91CF4B2286A}" type="datetime1">
               <a:rPr lang="en-US" smtClean="0"/>
-              <a:t>12/9/2015</a:t>
+              <a:t>12/15/16</a:t>
             </a:fld>
             <a:endParaRPr lang="en-US" dirty="0"/>
           </a:p>
@@ -1928,7 +1928,7 @@
           <a:p>
             <a:fld id="{D57F1E4F-1CFF-5643-939E-02111984F565}" type="slidenum">
               <a:rPr lang="en-US" dirty="0"/>
-              <a:t>‹N°›</a:t>
+              <a:t>‹#›</a:t>
             </a:fld>
             <a:endParaRPr lang="en-US" dirty="0"/>
           </a:p>
@@ -2491,7 +2491,7 @@
           <a:p>
             <a:fld id="{4CE4BD85-82ED-49EB-9DBD-BBC9E8C9DC12}" type="datetime1">
               <a:rPr lang="en-US" smtClean="0"/>
-              <a:t>12/9/2015</a:t>
+              <a:t>12/15/16</a:t>
             </a:fld>
             <a:endParaRPr lang="en-US" dirty="0"/>
           </a:p>
@@ -2533,7 +2533,7 @@
           <a:p>
             <a:fld id="{D57F1E4F-1CFF-5643-939E-02111984F565}" type="slidenum">
               <a:rPr lang="en-US" dirty="0"/>
-              <a:t>‹N°›</a:t>
+              <a:t>‹#›</a:t>
             </a:fld>
             <a:endParaRPr lang="en-US" dirty="0"/>
           </a:p>
@@ -3333,7 +3333,7 @@
           <a:p>
             <a:fld id="{6BC53C1E-317A-4984-805E-B749D7F4E950}" type="datetime1">
               <a:rPr lang="en-US" smtClean="0"/>
-              <a:t>12/9/2015</a:t>
+              <a:t>12/15/16</a:t>
             </a:fld>
             <a:endParaRPr lang="en-US" dirty="0"/>
           </a:p>
@@ -3375,7 +3375,7 @@
           <a:p>
             <a:fld id="{D57F1E4F-1CFF-5643-939E-02111984F565}" type="slidenum">
               <a:rPr lang="en-US" dirty="0"/>
-              <a:t>‹N°›</a:t>
+              <a:t>‹#›</a:t>
             </a:fld>
             <a:endParaRPr lang="en-US" dirty="0"/>
           </a:p>
@@ -3498,7 +3498,7 @@
           <a:p>
             <a:fld id="{F1541179-F36C-45FB-BF05-576CE598AD5E}" type="datetime1">
               <a:rPr lang="en-US" smtClean="0"/>
-              <a:t>12/9/2015</a:t>
+              <a:t>12/15/16</a:t>
             </a:fld>
             <a:endParaRPr lang="en-US" dirty="0"/>
           </a:p>
@@ -3540,7 +3540,7 @@
           <a:p>
             <a:fld id="{D57F1E4F-1CFF-5643-939E-02111984F565}" type="slidenum">
               <a:rPr lang="en-US" dirty="0"/>
-              <a:t>‹N°›</a:t>
+              <a:t>‹#›</a:t>
             </a:fld>
             <a:endParaRPr lang="en-US" dirty="0"/>
           </a:p>
@@ -3673,7 +3673,7 @@
           <a:p>
             <a:fld id="{1452E859-5120-490F-BA2B-6A7031AEA6DD}" type="datetime1">
               <a:rPr lang="en-US" smtClean="0"/>
-              <a:t>12/9/2015</a:t>
+              <a:t>12/15/16</a:t>
             </a:fld>
             <a:endParaRPr lang="en-US" dirty="0"/>
           </a:p>
@@ -3715,7 +3715,7 @@
           <a:p>
             <a:fld id="{D57F1E4F-1CFF-5643-939E-02111984F565}" type="slidenum">
               <a:rPr lang="en-US" dirty="0"/>
-              <a:t>‹N°›</a:t>
+              <a:t>‹#›</a:t>
             </a:fld>
             <a:endParaRPr lang="en-US" dirty="0"/>
           </a:p>
@@ -3838,7 +3838,7 @@
           <a:p>
             <a:fld id="{9E91C1F3-CCCF-41BE-864F-0425C3139438}" type="datetime1">
               <a:rPr lang="en-US" smtClean="0"/>
-              <a:t>12/9/2015</a:t>
+              <a:t>12/15/16</a:t>
             </a:fld>
             <a:endParaRPr lang="en-US" dirty="0"/>
           </a:p>
@@ -3880,7 +3880,7 @@
           <a:p>
             <a:fld id="{D57F1E4F-1CFF-5643-939E-02111984F565}" type="slidenum">
               <a:rPr lang="en-US" dirty="0"/>
-              <a:t>‹N°›</a:t>
+              <a:t>‹#›</a:t>
             </a:fld>
             <a:endParaRPr lang="en-US" dirty="0"/>
           </a:p>
@@ -4077,7 +4077,7 @@
           <a:p>
             <a:fld id="{F6B991C2-3901-4AF2-98EE-931409B84DE2}" type="datetime1">
               <a:rPr lang="en-US" smtClean="0"/>
-              <a:t>12/9/2015</a:t>
+              <a:t>12/15/16</a:t>
             </a:fld>
             <a:endParaRPr lang="en-US" dirty="0"/>
           </a:p>
@@ -4119,7 +4119,7 @@
           <a:p>
             <a:fld id="{D57F1E4F-1CFF-5643-939E-02111984F565}" type="slidenum">
               <a:rPr lang="en-US" dirty="0"/>
-              <a:t>‹N°›</a:t>
+              <a:t>‹#›</a:t>
             </a:fld>
             <a:endParaRPr lang="en-US" dirty="0"/>
           </a:p>
@@ -4364,7 +4364,7 @@
           <a:p>
             <a:fld id="{0E6299F7-1BBE-4C5A-B359-D36F51D55589}" type="datetime1">
               <a:rPr lang="en-US" smtClean="0"/>
-              <a:t>12/9/2015</a:t>
+              <a:t>12/15/16</a:t>
             </a:fld>
             <a:endParaRPr lang="en-US" dirty="0"/>
           </a:p>
@@ -4406,7 +4406,7 @@
           <a:p>
             <a:fld id="{D57F1E4F-1CFF-5643-939E-02111984F565}" type="slidenum">
               <a:rPr lang="en-US" dirty="0"/>
-              <a:t>‹N°›</a:t>
+              <a:t>‹#›</a:t>
             </a:fld>
             <a:endParaRPr lang="en-US" dirty="0"/>
           </a:p>
@@ -4797,7 +4797,7 @@
           <a:p>
             <a:fld id="{6410AB36-E70B-469E-8F5C-D9AD08E30B0A}" type="datetime1">
               <a:rPr lang="en-US" smtClean="0"/>
-              <a:t>12/9/2015</a:t>
+              <a:t>12/15/16</a:t>
             </a:fld>
             <a:endParaRPr lang="en-US" dirty="0"/>
           </a:p>
@@ -4839,7 +4839,7 @@
           <a:p>
             <a:fld id="{D57F1E4F-1CFF-5643-939E-02111984F565}" type="slidenum">
               <a:rPr lang="en-US" dirty="0"/>
-              <a:t>‹N°›</a:t>
+              <a:t>‹#›</a:t>
             </a:fld>
             <a:endParaRPr lang="en-US" dirty="0"/>
           </a:p>
@@ -4910,7 +4910,7 @@
           <a:p>
             <a:fld id="{B81B622A-D58B-4801-8726-8C0FD6F327E4}" type="datetime1">
               <a:rPr lang="en-US" smtClean="0"/>
-              <a:t>12/9/2015</a:t>
+              <a:t>12/15/16</a:t>
             </a:fld>
             <a:endParaRPr lang="en-US" dirty="0"/>
           </a:p>
@@ -4952,7 +4952,7 @@
           <a:p>
             <a:fld id="{D57F1E4F-1CFF-5643-939E-02111984F565}" type="slidenum">
               <a:rPr lang="en-US" dirty="0"/>
-              <a:t>‹N°›</a:t>
+              <a:t>‹#›</a:t>
             </a:fld>
             <a:endParaRPr lang="en-US" dirty="0"/>
           </a:p>
@@ -5000,7 +5000,7 @@
           <a:p>
             <a:fld id="{BFCDB801-3F5D-4EDE-9F8F-05444B27E639}" type="datetime1">
               <a:rPr lang="en-US" smtClean="0"/>
-              <a:t>12/9/2015</a:t>
+              <a:t>12/15/16</a:t>
             </a:fld>
             <a:endParaRPr lang="en-US" dirty="0"/>
           </a:p>
@@ -5042,7 +5042,7 @@
           <a:p>
             <a:fld id="{D57F1E4F-1CFF-5643-939E-02111984F565}" type="slidenum">
               <a:rPr lang="en-US" dirty="0"/>
-              <a:t>‹N°›</a:t>
+              <a:t>‹#›</a:t>
             </a:fld>
             <a:endParaRPr lang="en-US" dirty="0"/>
           </a:p>
@@ -5274,7 +5274,7 @@
           <a:p>
             <a:fld id="{7198FA0D-8875-4F6E-B2AF-6B2DC58E689B}" type="datetime1">
               <a:rPr lang="en-US" smtClean="0"/>
-              <a:t>12/9/2015</a:t>
+              <a:t>12/15/16</a:t>
             </a:fld>
             <a:endParaRPr lang="en-US" dirty="0"/>
           </a:p>
@@ -5316,7 +5316,7 @@
           <a:p>
             <a:fld id="{D57F1E4F-1CFF-5643-939E-02111984F565}" type="slidenum">
               <a:rPr lang="en-US" dirty="0"/>
-              <a:t>‹N°›</a:t>
+              <a:t>‹#›</a:t>
             </a:fld>
             <a:endParaRPr lang="en-US" dirty="0"/>
           </a:p>
@@ -5544,7 +5544,7 @@
           <a:p>
             <a:fld id="{3BCA36F1-5119-432B-981E-A4608E8F11A2}" type="datetime1">
               <a:rPr lang="en-US" smtClean="0"/>
-              <a:t>12/9/2015</a:t>
+              <a:t>12/15/16</a:t>
             </a:fld>
             <a:endParaRPr lang="en-US" dirty="0"/>
           </a:p>
@@ -5586,7 +5586,7 @@
           <a:p>
             <a:fld id="{D57F1E4F-1CFF-5643-939E-02111984F565}" type="slidenum">
               <a:rPr lang="en-US" dirty="0"/>
-              <a:t>‹N°›</a:t>
+              <a:t>‹#›</a:t>
             </a:fld>
             <a:endParaRPr lang="en-US" dirty="0"/>
           </a:p>
@@ -5968,7 +5968,7 @@
           <a:p>
             <a:fld id="{82BA0AB9-1CC9-4CD0-B75C-4EB130BF7AED}" type="datetime1">
               <a:rPr lang="en-US" smtClean="0"/>
-              <a:t>12/9/2015</a:t>
+              <a:t>12/15/16</a:t>
             </a:fld>
             <a:endParaRPr lang="en-US" dirty="0"/>
           </a:p>
@@ -6047,7 +6047,7 @@
           <a:p>
             <a:fld id="{D57F1E4F-1CFF-5643-939E-02111984F565}" type="slidenum">
               <a:rPr lang="en-US" dirty="0"/>
-              <a:t>‹N°›</a:t>
+              <a:t>‹#›</a:t>
             </a:fld>
             <a:endParaRPr lang="en-US" dirty="0"/>
           </a:p>
@@ -6523,8 +6523,17 @@
             <a:pPr algn="ctr"/>
             <a:r>
               <a:rPr lang="fr-FR" dirty="0" smtClean="0"/>
-              <a:t>Alexis DUCERF – 2015</a:t>
-            </a:r>
+              <a:t>Alexis DUCERF </a:t>
+            </a:r>
+            <a:r>
+              <a:rPr lang="fr-FR" smtClean="0"/>
+              <a:t>– </a:t>
+            </a:r>
+            <a:r>
+              <a:rPr lang="fr-FR" smtClean="0"/>
+              <a:t>2016</a:t>
+            </a:r>
+            <a:endParaRPr lang="fr-FR" dirty="0" smtClean="0"/>
           </a:p>
           <a:p>
             <a:pPr algn="ctr"/>
@@ -7786,7 +7795,6 @@
               <a:rPr lang="fr-FR" dirty="0"/>
               <a:t>}</a:t>
             </a:r>
-            <a:endParaRPr lang="fr-FR" dirty="0"/>
           </a:p>
         </p:txBody>
       </p:sp>
@@ -7962,19 +7970,7 @@
             </a:r>
             <a:r>
               <a:rPr lang="fr-FR" dirty="0" smtClean="0"/>
-              <a:t>, il permet de passer un « contrat » avec le développeur car l’interface oblige le développeur à implémenter les fonctions de l’interface. </a:t>
-            </a:r>
-            <a:r>
-              <a:rPr lang="fr-FR" dirty="0" smtClean="0"/>
-              <a:t>Il est possible d’implémenter plusieurs interfaces. </a:t>
-            </a:r>
-            <a:r>
-              <a:rPr lang="fr-FR" dirty="0" smtClean="0"/>
-              <a:t> </a:t>
-            </a:r>
-            <a:r>
-              <a:rPr lang="fr-FR" dirty="0" smtClean="0"/>
-              <a:t>Exemple : </a:t>
+              <a:t>, il permet de passer un « contrat » avec le développeur car l’interface oblige le développeur à implémenter les fonctions de l’interface. Il est possible d’implémenter plusieurs interfaces.  Exemple : </a:t>
             </a:r>
           </a:p>
           <a:p>
@@ -8964,7 +8960,6 @@
               <a:rPr lang="fr-FR" dirty="0" smtClean="0"/>
               <a:t>().</a:t>
             </a:r>
-            <a:endParaRPr lang="fr-FR" dirty="0" smtClean="0"/>
           </a:p>
           <a:p>
             <a:r>
@@ -9427,7 +9422,6 @@
               <a:rPr lang="fr-FR" dirty="0" smtClean="0"/>
               <a:t> </a:t>
             </a:r>
-            <a:endParaRPr lang="fr-FR" dirty="0" smtClean="0"/>
           </a:p>
           <a:p>
             <a:r>
@@ -9641,11 +9635,6 @@
               </a:rPr>
               <a:t> </a:t>
             </a:r>
-            <a:endParaRPr lang="fr-FR" dirty="0" smtClean="0">
-              <a:solidFill>
-                <a:srgbClr val="FFC000"/>
-              </a:solidFill>
-            </a:endParaRPr>
           </a:p>
           <a:p>
             <a:pPr marL="0" indent="0">
@@ -10131,24 +10120,14 @@
           <a:p>
             <a:r>
               <a:rPr lang="fr-FR" dirty="0" smtClean="0"/>
-              <a:t>Difficulté à </a:t>
-            </a:r>
-            <a:r>
-              <a:rPr lang="fr-FR" dirty="0" smtClean="0"/>
-              <a:t>maintenir.</a:t>
-            </a:r>
-            <a:endParaRPr lang="fr-FR" dirty="0" smtClean="0"/>
-          </a:p>
-          <a:p>
-            <a:r>
-              <a:rPr lang="fr-FR" dirty="0" smtClean="0"/>
-              <a:t>Difficulté à diviser le code en plusieurs </a:t>
-            </a:r>
-            <a:r>
-              <a:rPr lang="fr-FR" dirty="0" smtClean="0"/>
-              <a:t>modules.</a:t>
-            </a:r>
-            <a:endParaRPr lang="fr-FR" dirty="0" smtClean="0"/>
+              <a:t>Difficulté à maintenir.</a:t>
+            </a:r>
+          </a:p>
+          <a:p>
+            <a:r>
+              <a:rPr lang="fr-FR" dirty="0" smtClean="0"/>
+              <a:t>Difficulté à diviser le code en plusieurs modules.</a:t>
+            </a:r>
           </a:p>
           <a:p>
             <a:r>
@@ -10179,18 +10158,12 @@
               <a:rPr lang="fr-FR" dirty="0" smtClean="0"/>
               <a:t>). </a:t>
             </a:r>
-            <a:endParaRPr lang="fr-FR" dirty="0" smtClean="0"/>
-          </a:p>
-          <a:p>
-            <a:r>
-              <a:rPr lang="fr-FR" dirty="0" smtClean="0"/>
-              <a:t>Difficulté pour travailler à plusieurs sur un même </a:t>
-            </a:r>
-            <a:r>
-              <a:rPr lang="fr-FR" dirty="0" smtClean="0"/>
-              <a:t>code.</a:t>
-            </a:r>
-            <a:endParaRPr lang="fr-FR" dirty="0" smtClean="0"/>
+          </a:p>
+          <a:p>
+            <a:r>
+              <a:rPr lang="fr-FR" dirty="0" smtClean="0"/>
+              <a:t>Difficulté pour travailler à plusieurs sur un même code.</a:t>
+            </a:r>
           </a:p>
           <a:p>
             <a:endParaRPr lang="fr-FR" dirty="0"/>
